--- a/Kafka Summit-part1-v09.pptx
+++ b/Kafka Summit-part1-v09.pptx
@@ -376,7 +376,7 @@
           <a:p>
             <a:fld id="{F3D1F925-BFA2-264B-AE5B-B0906316BC34}" type="slidenum">
               <a:rPr lang="en-US" smtClean="0"/>
-              <a:t>‹#›</a:t>
+              <a:t>‹Nr.›</a:t>
             </a:fld>
             <a:endParaRPr lang="en-US"/>
           </a:p>
@@ -731,11 +731,7 @@
             </a:r>
             <a:r>
               <a:rPr lang="sv-SE" baseline="0" dirty="0" smtClean="0"/>
-              <a:t> it</a:t>
-            </a:r>
-            <a:r>
-              <a:rPr lang="sv-SE" baseline="0" dirty="0" smtClean="0"/>
-              <a:t>)</a:t>
+              <a:t> it)</a:t>
             </a:r>
           </a:p>
           <a:p>
@@ -1156,7 +1152,6 @@
               <a:rPr lang="sv-SE" baseline="0" dirty="0" smtClean="0"/>
               <a:t>. </a:t>
             </a:r>
-            <a:endParaRPr lang="sv-SE" baseline="0" dirty="0" smtClean="0"/>
           </a:p>
           <a:p>
             <a:pPr marL="171450" indent="-171450">
@@ -8037,7 +8032,7 @@
           <a:p>
             <a:fld id="{6332AF82-E98F-8C47-B5BC-EDAF4B2AF6A5}" type="slidenum">
               <a:rPr lang="en-US" smtClean="0"/>
-              <a:t>‹#›</a:t>
+              <a:t>‹Nr.›</a:t>
             </a:fld>
             <a:endParaRPr lang="en-US"/>
           </a:p>
@@ -8159,7 +8154,7 @@
           <a:p>
             <a:fld id="{6332AF82-E98F-8C47-B5BC-EDAF4B2AF6A5}" type="slidenum">
               <a:rPr lang="en-US" smtClean="0"/>
-              <a:t>‹#›</a:t>
+              <a:t>‹Nr.›</a:t>
             </a:fld>
             <a:endParaRPr lang="en-US"/>
           </a:p>
@@ -8281,7 +8276,7 @@
           <a:p>
             <a:fld id="{6332AF82-E98F-8C47-B5BC-EDAF4B2AF6A5}" type="slidenum">
               <a:rPr lang="en-US" smtClean="0"/>
-              <a:t>‹#›</a:t>
+              <a:t>‹Nr.›</a:t>
             </a:fld>
             <a:endParaRPr lang="en-US"/>
           </a:p>
@@ -8516,7 +8511,7 @@
           <a:p>
             <a:fld id="{6332AF82-E98F-8C47-B5BC-EDAF4B2AF6A5}" type="slidenum">
               <a:rPr lang="en-US" smtClean="0"/>
-              <a:t>‹#›</a:t>
+              <a:t>‹Nr.›</a:t>
             </a:fld>
             <a:endParaRPr lang="en-US"/>
           </a:p>
@@ -8731,7 +8726,7 @@
           <a:p>
             <a:fld id="{6332AF82-E98F-8C47-B5BC-EDAF4B2AF6A5}" type="slidenum">
               <a:rPr lang="en-US" smtClean="0"/>
-              <a:t>‹#›</a:t>
+              <a:t>‹Nr.›</a:t>
             </a:fld>
             <a:endParaRPr lang="en-US"/>
           </a:p>
@@ -8845,7 +8840,7 @@
           <a:p>
             <a:fld id="{6332AF82-E98F-8C47-B5BC-EDAF4B2AF6A5}" type="slidenum">
               <a:rPr lang="en-US" smtClean="0"/>
-              <a:t>‹#›</a:t>
+              <a:t>‹Nr.›</a:t>
             </a:fld>
             <a:endParaRPr lang="en-US"/>
           </a:p>
@@ -9056,7 +9051,7 @@
           <a:p>
             <a:fld id="{6332AF82-E98F-8C47-B5BC-EDAF4B2AF6A5}" type="slidenum">
               <a:rPr lang="en-US" smtClean="0"/>
-              <a:t>‹#›</a:t>
+              <a:t>‹Nr.›</a:t>
             </a:fld>
             <a:endParaRPr lang="en-US"/>
           </a:p>
@@ -9209,7 +9204,7 @@
             <a:fld id="{6332AF82-E98F-8C47-B5BC-EDAF4B2AF6A5}" type="slidenum">
               <a:rPr lang="en-US" smtClean="0"/>
               <a:pPr/>
-              <a:t>‹#›</a:t>
+              <a:t>‹Nr.›</a:t>
             </a:fld>
             <a:endParaRPr lang="en-US"/>
           </a:p>
@@ -9339,7 +9334,7 @@
             <a:fld id="{6332AF82-E98F-8C47-B5BC-EDAF4B2AF6A5}" type="slidenum">
               <a:rPr lang="en-US" smtClean="0"/>
               <a:pPr/>
-              <a:t>‹#›</a:t>
+              <a:t>‹Nr.›</a:t>
             </a:fld>
             <a:endParaRPr lang="en-US"/>
           </a:p>
@@ -9525,7 +9520,7 @@
             <a:fld id="{6332AF82-E98F-8C47-B5BC-EDAF4B2AF6A5}" type="slidenum">
               <a:rPr lang="en-US" smtClean="0"/>
               <a:pPr/>
-              <a:t>‹#›</a:t>
+              <a:t>‹Nr.›</a:t>
             </a:fld>
             <a:endParaRPr lang="en-US"/>
           </a:p>
@@ -9614,7 +9609,7 @@
             <a:fld id="{6332AF82-E98F-8C47-B5BC-EDAF4B2AF6A5}" type="slidenum">
               <a:rPr lang="en-US" smtClean="0"/>
               <a:pPr/>
-              <a:t>‹#›</a:t>
+              <a:t>‹Nr.›</a:t>
             </a:fld>
             <a:endParaRPr lang="en-US"/>
           </a:p>
@@ -9827,7 +9822,7 @@
             <a:fld id="{6332AF82-E98F-8C47-B5BC-EDAF4B2AF6A5}" type="slidenum">
               <a:rPr lang="en-US" smtClean="0"/>
               <a:pPr/>
-              <a:t>‹#›</a:t>
+              <a:t>‹Nr.›</a:t>
             </a:fld>
             <a:endParaRPr lang="en-US"/>
           </a:p>
@@ -10694,7 +10689,7 @@
             <a:fld id="{6332AF82-E98F-8C47-B5BC-EDAF4B2AF6A5}" type="slidenum">
               <a:rPr lang="en-US" smtClean="0"/>
               <a:pPr/>
-              <a:t>‹#›</a:t>
+              <a:t>‹Nr.›</a:t>
             </a:fld>
             <a:endParaRPr lang="en-US" dirty="0"/>
           </a:p>
@@ -11332,7 +11327,7 @@
           <a:p>
             <a:fld id="{6332AF82-E98F-8C47-B5BC-EDAF4B2AF6A5}" type="slidenum">
               <a:rPr lang="en-US" smtClean="0"/>
-              <a:t>‹#›</a:t>
+              <a:t>‹Nr.›</a:t>
             </a:fld>
             <a:endParaRPr lang="en-US"/>
           </a:p>
@@ -11507,7 +11502,7 @@
           <a:p>
             <a:fld id="{6332AF82-E98F-8C47-B5BC-EDAF4B2AF6A5}" type="slidenum">
               <a:rPr lang="en-US" smtClean="0"/>
-              <a:t>‹#›</a:t>
+              <a:t>‹Nr.›</a:t>
             </a:fld>
             <a:endParaRPr lang="en-US"/>
           </a:p>
@@ -11860,7 +11855,7 @@
             <a:fld id="{6332AF82-E98F-8C47-B5BC-EDAF4B2AF6A5}" type="slidenum">
               <a:rPr lang="en-US" smtClean="0"/>
               <a:pPr/>
-              <a:t>‹#›</a:t>
+              <a:t>‹Nr.›</a:t>
             </a:fld>
             <a:endParaRPr lang="en-US" dirty="0"/>
           </a:p>
